--- a/이더리움BC구축.pptx
+++ b/이더리움BC구축.pptx
@@ -15935,8 +15935,8 @@
           <a:p>
             <a:pPr algn="ctr"/>
             <a:r>
-              <a:rPr lang="en-US" altLang="ko-KR" dirty="0"/>
-              <a:t>node1</a:t>
+              <a:rPr lang="en-US" altLang="ko-KR" dirty="0" err="1"/>
+              <a:t>bootnode</a:t>
             </a:r>
             <a:endParaRPr lang="ko-KR" altLang="en-US" dirty="0"/>
           </a:p>
@@ -15989,7 +15989,7 @@
             <a:pPr algn="ctr"/>
             <a:r>
               <a:rPr lang="en-US" altLang="ko-KR" dirty="0"/>
-              <a:t>node2</a:t>
+              <a:t>node1</a:t>
             </a:r>
             <a:endParaRPr lang="ko-KR" altLang="en-US" dirty="0"/>
           </a:p>
@@ -16042,7 +16042,7 @@
             <a:pPr algn="ctr"/>
             <a:r>
               <a:rPr lang="en-US" altLang="ko-KR" dirty="0"/>
-              <a:t>node3</a:t>
+              <a:t>node2</a:t>
             </a:r>
             <a:endParaRPr lang="ko-KR" altLang="en-US" dirty="0"/>
           </a:p>
@@ -16162,14 +16162,14 @@
           </p:cNvPr>
           <p:cNvCxnSpPr>
             <a:cxnSpLocks/>
-            <a:endCxn id="5" idx="1"/>
+            <a:endCxn id="11" idx="1"/>
           </p:cNvCxnSpPr>
           <p:nvPr/>
         </p:nvCxnSpPr>
         <p:spPr>
           <a:xfrm>
             <a:off x="3255264" y="1780936"/>
-            <a:ext cx="2840736" cy="663408"/>
+            <a:ext cx="2840736" cy="1284193"/>
           </a:xfrm>
           <a:prstGeom prst="straightConnector1">
             <a:avLst/>
@@ -16205,57 +16205,14 @@
           </p:cNvPr>
           <p:cNvCxnSpPr>
             <a:cxnSpLocks/>
-            <a:endCxn id="11" idx="1"/>
-          </p:cNvCxnSpPr>
-          <p:nvPr/>
-        </p:nvCxnSpPr>
-        <p:spPr>
-          <a:xfrm flipV="1">
-            <a:off x="3158589" y="3065129"/>
-            <a:ext cx="2937411" cy="150537"/>
-          </a:xfrm>
-          <a:prstGeom prst="straightConnector1">
-            <a:avLst/>
-          </a:prstGeom>
-          <a:ln>
-            <a:headEnd type="triangle"/>
-            <a:tailEnd type="triangle"/>
-          </a:ln>
-        </p:spPr>
-        <p:style>
-          <a:lnRef idx="1">
-            <a:schemeClr val="accent1"/>
-          </a:lnRef>
-          <a:fillRef idx="0">
-            <a:schemeClr val="accent1"/>
-          </a:fillRef>
-          <a:effectRef idx="0">
-            <a:schemeClr val="accent1"/>
-          </a:effectRef>
-          <a:fontRef idx="minor">
-            <a:schemeClr val="tx1"/>
-          </a:fontRef>
-        </p:style>
-      </p:cxnSp>
-      <p:cxnSp>
-        <p:nvCxnSpPr>
-          <p:cNvPr id="23" name="직선 화살표 연결선 22">
-            <a:extLst>
-              <a:ext uri="{FF2B5EF4-FFF2-40B4-BE49-F238E27FC236}">
-                <a16:creationId xmlns:a16="http://schemas.microsoft.com/office/drawing/2014/main" id="{8AF60781-CF4B-4072-8A9E-C797AA4C98FE}"/>
-              </a:ext>
-            </a:extLst>
-          </p:cNvPr>
-          <p:cNvCxnSpPr>
-            <a:cxnSpLocks/>
             <a:endCxn id="12" idx="1"/>
           </p:cNvCxnSpPr>
           <p:nvPr/>
         </p:nvCxnSpPr>
         <p:spPr>
           <a:xfrm flipV="1">
-            <a:off x="3158589" y="3687313"/>
-            <a:ext cx="2937410" cy="1032662"/>
+            <a:off x="2986198" y="3687313"/>
+            <a:ext cx="3109801" cy="484312"/>
           </a:xfrm>
           <a:prstGeom prst="straightConnector1">
             <a:avLst/>
@@ -16294,7 +16251,7 @@
         </p:nvSpPr>
         <p:spPr>
           <a:xfrm>
-            <a:off x="3730751" y="1463040"/>
+            <a:off x="2698459" y="1994632"/>
             <a:ext cx="3145871" cy="369332"/>
           </a:xfrm>
           <a:prstGeom prst="rect">
@@ -16330,7 +16287,7 @@
         </p:nvSpPr>
         <p:spPr>
           <a:xfrm>
-            <a:off x="3010834" y="2827369"/>
+            <a:off x="2838443" y="3783327"/>
             <a:ext cx="3145871" cy="369332"/>
           </a:xfrm>
           <a:prstGeom prst="rect">
@@ -16347,42 +16304,6 @@
             <a:r>
               <a:rPr lang="en-US" altLang="ko-KR" dirty="0"/>
               <a:t>RPC http://127.0.0.1:8546</a:t>
-            </a:r>
-            <a:endParaRPr lang="ko-KR" altLang="en-US" dirty="0"/>
-          </a:p>
-        </p:txBody>
-      </p:sp>
-      <p:sp>
-        <p:nvSpPr>
-          <p:cNvPr id="28" name="TextBox 27">
-            <a:extLst>
-              <a:ext uri="{FF2B5EF4-FFF2-40B4-BE49-F238E27FC236}">
-                <a16:creationId xmlns:a16="http://schemas.microsoft.com/office/drawing/2014/main" id="{AE85C77E-8ACE-467C-9BA8-5A4ACFF82667}"/>
-              </a:ext>
-            </a:extLst>
-          </p:cNvPr>
-          <p:cNvSpPr txBox="1"/>
-          <p:nvPr/>
-        </p:nvSpPr>
-        <p:spPr>
-          <a:xfrm>
-            <a:off x="3059645" y="4106806"/>
-            <a:ext cx="3231974" cy="369332"/>
-          </a:xfrm>
-          <a:prstGeom prst="rect">
-            <a:avLst/>
-          </a:prstGeom>
-          <a:noFill/>
-        </p:spPr>
-        <p:txBody>
-          <a:bodyPr wrap="square" rtlCol="0">
-            <a:spAutoFit/>
-          </a:bodyPr>
-          <a:lstStyle/>
-          <a:p>
-            <a:r>
-              <a:rPr lang="en-US" altLang="ko-KR" dirty="0"/>
-              <a:t>RPC http:// 127.0.0.1:8547</a:t>
             </a:r>
             <a:endParaRPr lang="ko-KR" altLang="en-US" dirty="0"/>
           </a:p>
@@ -16417,7 +16338,7 @@
         </p:blipFill>
         <p:spPr bwMode="auto">
           <a:xfrm>
-            <a:off x="2460290" y="2906416"/>
+            <a:off x="2287899" y="3862374"/>
             <a:ext cx="550543" cy="467962"/>
           </a:xfrm>
           <a:prstGeom prst="rect">
@@ -16465,53 +16386,6 @@
         <p:spPr bwMode="auto">
           <a:xfrm>
             <a:off x="2509915" y="1449302"/>
-            <a:ext cx="550543" cy="467962"/>
-          </a:xfrm>
-          <a:prstGeom prst="rect">
-            <a:avLst/>
-          </a:prstGeom>
-          <a:noFill/>
-          <a:extLst>
-            <a:ext uri="{909E8E84-426E-40DD-AFC4-6F175D3DCCD1}">
-              <a14:hiddenFill xmlns:a14="http://schemas.microsoft.com/office/drawing/2010/main">
-                <a:solidFill>
-                  <a:srgbClr val="FFFFFF"/>
-                </a:solidFill>
-              </a14:hiddenFill>
-            </a:ext>
-          </a:extLst>
-        </p:spPr>
-      </p:pic>
-      <p:pic>
-        <p:nvPicPr>
-          <p:cNvPr id="31" name="Picture 4" descr="web3.js">
-            <a:extLst>
-              <a:ext uri="{FF2B5EF4-FFF2-40B4-BE49-F238E27FC236}">
-                <a16:creationId xmlns:a16="http://schemas.microsoft.com/office/drawing/2014/main" id="{28ED3C6F-A3B1-4A05-81E7-4668348EC942}"/>
-              </a:ext>
-            </a:extLst>
-          </p:cNvPr>
-          <p:cNvPicPr>
-            <a:picLocks noChangeAspect="1" noChangeArrowheads="1"/>
-          </p:cNvPicPr>
-          <p:nvPr/>
-        </p:nvPicPr>
-        <p:blipFill>
-          <a:blip r:embed="rId2">
-            <a:extLst>
-              <a:ext uri="{28A0092B-C50C-407E-A947-70E740481C1C}">
-                <a14:useLocalDpi xmlns:a14="http://schemas.microsoft.com/office/drawing/2010/main" val="0"/>
-              </a:ext>
-            </a:extLst>
-          </a:blip>
-          <a:srcRect/>
-          <a:stretch>
-            <a:fillRect/>
-          </a:stretch>
-        </p:blipFill>
-        <p:spPr bwMode="auto">
-          <a:xfrm>
-            <a:off x="2492538" y="4648048"/>
             <a:ext cx="550543" cy="467962"/>
           </a:xfrm>
           <a:prstGeom prst="rect">
